--- a/4. MERN Back End Development/Presentation Slides/4.pptx
+++ b/4. MERN Back End Development/Presentation Slides/4.pptx
@@ -199,7 +199,7 @@
           <a:p>
             <a:fld id="{47128940-0692-429A-A27E-15793489D6B1}" type="datetimeFigureOut">
               <a:rPr lang="en-US" smtClean="0"/>
-              <a:t>2/16/2022</a:t>
+              <a:t>12/24/2022</a:t>
             </a:fld>
             <a:endParaRPr lang="en-US"/>
           </a:p>
@@ -740,7 +740,7 @@
           <p:cNvPr id="2" name="Title 1">
             <a:extLst>
               <a:ext uri="{FF2B5EF4-FFF2-40B4-BE49-F238E27FC236}">
-                <a16:creationId xmlns:a16="http://schemas.microsoft.com/office/drawing/2014/main" id="{E2326DE3-45ED-4D72-BBEB-50E590885509}"/>
+                <a16:creationId xmlns:a16="http://schemas.microsoft.com/office/drawing/2014/main" xmlns="" id="{E2326DE3-45ED-4D72-BBEB-50E590885509}"/>
               </a:ext>
             </a:extLst>
           </p:cNvPr>
@@ -777,7 +777,7 @@
           <p:cNvPr id="3" name="Subtitle 2">
             <a:extLst>
               <a:ext uri="{FF2B5EF4-FFF2-40B4-BE49-F238E27FC236}">
-                <a16:creationId xmlns:a16="http://schemas.microsoft.com/office/drawing/2014/main" id="{3522AD32-2675-43D2-AAA7-F399DDE14BFF}"/>
+                <a16:creationId xmlns:a16="http://schemas.microsoft.com/office/drawing/2014/main" xmlns="" id="{3522AD32-2675-43D2-AAA7-F399DDE14BFF}"/>
               </a:ext>
             </a:extLst>
           </p:cNvPr>
@@ -847,7 +847,7 @@
           <p:cNvPr id="4" name="Date Placeholder 3">
             <a:extLst>
               <a:ext uri="{FF2B5EF4-FFF2-40B4-BE49-F238E27FC236}">
-                <a16:creationId xmlns:a16="http://schemas.microsoft.com/office/drawing/2014/main" id="{CB25D289-92F8-400B-A126-0123C2067840}"/>
+                <a16:creationId xmlns:a16="http://schemas.microsoft.com/office/drawing/2014/main" xmlns="" id="{CB25D289-92F8-400B-A126-0123C2067840}"/>
               </a:ext>
             </a:extLst>
           </p:cNvPr>
@@ -865,7 +865,7 @@
           <a:p>
             <a:fld id="{AFFF3405-90A4-43B6-AF62-AB8B1C2AFE9B}" type="datetimeFigureOut">
               <a:rPr lang="en-US" smtClean="0"/>
-              <a:t>2/16/2022</a:t>
+              <a:t>12/24/2022</a:t>
             </a:fld>
             <a:endParaRPr lang="en-US"/>
           </a:p>
@@ -876,7 +876,7 @@
           <p:cNvPr id="5" name="Footer Placeholder 4">
             <a:extLst>
               <a:ext uri="{FF2B5EF4-FFF2-40B4-BE49-F238E27FC236}">
-                <a16:creationId xmlns:a16="http://schemas.microsoft.com/office/drawing/2014/main" id="{265B2844-CA37-424B-8A04-83B59D6975AC}"/>
+                <a16:creationId xmlns:a16="http://schemas.microsoft.com/office/drawing/2014/main" xmlns="" id="{265B2844-CA37-424B-8A04-83B59D6975AC}"/>
               </a:ext>
             </a:extLst>
           </p:cNvPr>
@@ -901,7 +901,7 @@
           <p:cNvPr id="6" name="Slide Number Placeholder 5">
             <a:extLst>
               <a:ext uri="{FF2B5EF4-FFF2-40B4-BE49-F238E27FC236}">
-                <a16:creationId xmlns:a16="http://schemas.microsoft.com/office/drawing/2014/main" id="{F6B06E3C-A804-4A57-94DB-9C8A1021DAE6}"/>
+                <a16:creationId xmlns:a16="http://schemas.microsoft.com/office/drawing/2014/main" xmlns="" id="{F6B06E3C-A804-4A57-94DB-9C8A1021DAE6}"/>
               </a:ext>
             </a:extLst>
           </p:cNvPr>
@@ -960,7 +960,7 @@
           <p:cNvPr id="2" name="Title 1">
             <a:extLst>
               <a:ext uri="{FF2B5EF4-FFF2-40B4-BE49-F238E27FC236}">
-                <a16:creationId xmlns:a16="http://schemas.microsoft.com/office/drawing/2014/main" id="{2A03ABD6-6DBB-41B1-BC44-E31682E17DC3}"/>
+                <a16:creationId xmlns:a16="http://schemas.microsoft.com/office/drawing/2014/main" xmlns="" id="{2A03ABD6-6DBB-41B1-BC44-E31682E17DC3}"/>
               </a:ext>
             </a:extLst>
           </p:cNvPr>
@@ -988,7 +988,7 @@
           <p:cNvPr id="3" name="Vertical Text Placeholder 2">
             <a:extLst>
               <a:ext uri="{FF2B5EF4-FFF2-40B4-BE49-F238E27FC236}">
-                <a16:creationId xmlns:a16="http://schemas.microsoft.com/office/drawing/2014/main" id="{2074BCE9-64F4-41CF-B190-0B80DC8BF843}"/>
+                <a16:creationId xmlns:a16="http://schemas.microsoft.com/office/drawing/2014/main" xmlns="" id="{2074BCE9-64F4-41CF-B190-0B80DC8BF843}"/>
               </a:ext>
             </a:extLst>
           </p:cNvPr>
@@ -1045,7 +1045,7 @@
           <p:cNvPr id="4" name="Date Placeholder 3">
             <a:extLst>
               <a:ext uri="{FF2B5EF4-FFF2-40B4-BE49-F238E27FC236}">
-                <a16:creationId xmlns:a16="http://schemas.microsoft.com/office/drawing/2014/main" id="{41346A0F-C510-4C53-8245-21ADD3CFAD22}"/>
+                <a16:creationId xmlns:a16="http://schemas.microsoft.com/office/drawing/2014/main" xmlns="" id="{41346A0F-C510-4C53-8245-21ADD3CFAD22}"/>
               </a:ext>
             </a:extLst>
           </p:cNvPr>
@@ -1063,7 +1063,7 @@
           <a:p>
             <a:fld id="{AFFF3405-90A4-43B6-AF62-AB8B1C2AFE9B}" type="datetimeFigureOut">
               <a:rPr lang="en-US" smtClean="0"/>
-              <a:t>2/16/2022</a:t>
+              <a:t>12/24/2022</a:t>
             </a:fld>
             <a:endParaRPr lang="en-US"/>
           </a:p>
@@ -1074,7 +1074,7 @@
           <p:cNvPr id="5" name="Footer Placeholder 4">
             <a:extLst>
               <a:ext uri="{FF2B5EF4-FFF2-40B4-BE49-F238E27FC236}">
-                <a16:creationId xmlns:a16="http://schemas.microsoft.com/office/drawing/2014/main" id="{075CDDB4-CC41-4D95-903A-894B347F16A7}"/>
+                <a16:creationId xmlns:a16="http://schemas.microsoft.com/office/drawing/2014/main" xmlns="" id="{075CDDB4-CC41-4D95-903A-894B347F16A7}"/>
               </a:ext>
             </a:extLst>
           </p:cNvPr>
@@ -1099,7 +1099,7 @@
           <p:cNvPr id="6" name="Slide Number Placeholder 5">
             <a:extLst>
               <a:ext uri="{FF2B5EF4-FFF2-40B4-BE49-F238E27FC236}">
-                <a16:creationId xmlns:a16="http://schemas.microsoft.com/office/drawing/2014/main" id="{1C12D647-0D41-4047-A513-93E78180D32B}"/>
+                <a16:creationId xmlns:a16="http://schemas.microsoft.com/office/drawing/2014/main" xmlns="" id="{1C12D647-0D41-4047-A513-93E78180D32B}"/>
               </a:ext>
             </a:extLst>
           </p:cNvPr>
@@ -1158,7 +1158,7 @@
           <p:cNvPr id="2" name="Vertical Title 1">
             <a:extLst>
               <a:ext uri="{FF2B5EF4-FFF2-40B4-BE49-F238E27FC236}">
-                <a16:creationId xmlns:a16="http://schemas.microsoft.com/office/drawing/2014/main" id="{E89F85EB-D718-468E-97C8-F9F7D5A93B27}"/>
+                <a16:creationId xmlns:a16="http://schemas.microsoft.com/office/drawing/2014/main" xmlns="" id="{E89F85EB-D718-468E-97C8-F9F7D5A93B27}"/>
               </a:ext>
             </a:extLst>
           </p:cNvPr>
@@ -1191,7 +1191,7 @@
           <p:cNvPr id="3" name="Vertical Text Placeholder 2">
             <a:extLst>
               <a:ext uri="{FF2B5EF4-FFF2-40B4-BE49-F238E27FC236}">
-                <a16:creationId xmlns:a16="http://schemas.microsoft.com/office/drawing/2014/main" id="{DBE8975E-0F6E-4D4F-B9C2-79A4805B22A3}"/>
+                <a16:creationId xmlns:a16="http://schemas.microsoft.com/office/drawing/2014/main" xmlns="" id="{DBE8975E-0F6E-4D4F-B9C2-79A4805B22A3}"/>
               </a:ext>
             </a:extLst>
           </p:cNvPr>
@@ -1253,7 +1253,7 @@
           <p:cNvPr id="4" name="Date Placeholder 3">
             <a:extLst>
               <a:ext uri="{FF2B5EF4-FFF2-40B4-BE49-F238E27FC236}">
-                <a16:creationId xmlns:a16="http://schemas.microsoft.com/office/drawing/2014/main" id="{667548B5-3762-4EC7-8159-5A432823786C}"/>
+                <a16:creationId xmlns:a16="http://schemas.microsoft.com/office/drawing/2014/main" xmlns="" id="{667548B5-3762-4EC7-8159-5A432823786C}"/>
               </a:ext>
             </a:extLst>
           </p:cNvPr>
@@ -1271,7 +1271,7 @@
           <a:p>
             <a:fld id="{AFFF3405-90A4-43B6-AF62-AB8B1C2AFE9B}" type="datetimeFigureOut">
               <a:rPr lang="en-US" smtClean="0"/>
-              <a:t>2/16/2022</a:t>
+              <a:t>12/24/2022</a:t>
             </a:fld>
             <a:endParaRPr lang="en-US"/>
           </a:p>
@@ -1282,7 +1282,7 @@
           <p:cNvPr id="5" name="Footer Placeholder 4">
             <a:extLst>
               <a:ext uri="{FF2B5EF4-FFF2-40B4-BE49-F238E27FC236}">
-                <a16:creationId xmlns:a16="http://schemas.microsoft.com/office/drawing/2014/main" id="{47C0BCD4-1916-44B5-9DA6-B5F37AEAD56F}"/>
+                <a16:creationId xmlns:a16="http://schemas.microsoft.com/office/drawing/2014/main" xmlns="" id="{47C0BCD4-1916-44B5-9DA6-B5F37AEAD56F}"/>
               </a:ext>
             </a:extLst>
           </p:cNvPr>
@@ -1307,7 +1307,7 @@
           <p:cNvPr id="6" name="Slide Number Placeholder 5">
             <a:extLst>
               <a:ext uri="{FF2B5EF4-FFF2-40B4-BE49-F238E27FC236}">
-                <a16:creationId xmlns:a16="http://schemas.microsoft.com/office/drawing/2014/main" id="{9AF1D65D-CCCF-4DCF-8BDC-7BA7E548566C}"/>
+                <a16:creationId xmlns:a16="http://schemas.microsoft.com/office/drawing/2014/main" xmlns="" id="{9AF1D65D-CCCF-4DCF-8BDC-7BA7E548566C}"/>
               </a:ext>
             </a:extLst>
           </p:cNvPr>
@@ -1366,7 +1366,7 @@
           <p:cNvPr id="2" name="Title 1">
             <a:extLst>
               <a:ext uri="{FF2B5EF4-FFF2-40B4-BE49-F238E27FC236}">
-                <a16:creationId xmlns:a16="http://schemas.microsoft.com/office/drawing/2014/main" id="{8521B39F-0860-429B-A86A-B51A9E1EC047}"/>
+                <a16:creationId xmlns:a16="http://schemas.microsoft.com/office/drawing/2014/main" xmlns="" id="{8521B39F-0860-429B-A86A-B51A9E1EC047}"/>
               </a:ext>
             </a:extLst>
           </p:cNvPr>
@@ -1394,7 +1394,7 @@
           <p:cNvPr id="3" name="Content Placeholder 2">
             <a:extLst>
               <a:ext uri="{FF2B5EF4-FFF2-40B4-BE49-F238E27FC236}">
-                <a16:creationId xmlns:a16="http://schemas.microsoft.com/office/drawing/2014/main" id="{50DAEFC3-1E20-4E6C-BFA1-7CF65C3B7CD3}"/>
+                <a16:creationId xmlns:a16="http://schemas.microsoft.com/office/drawing/2014/main" xmlns="" id="{50DAEFC3-1E20-4E6C-BFA1-7CF65C3B7CD3}"/>
               </a:ext>
             </a:extLst>
           </p:cNvPr>
@@ -1451,7 +1451,7 @@
           <p:cNvPr id="4" name="Date Placeholder 3">
             <a:extLst>
               <a:ext uri="{FF2B5EF4-FFF2-40B4-BE49-F238E27FC236}">
-                <a16:creationId xmlns:a16="http://schemas.microsoft.com/office/drawing/2014/main" id="{F04B52C9-151A-4992-A07C-A6A491AA4F19}"/>
+                <a16:creationId xmlns:a16="http://schemas.microsoft.com/office/drawing/2014/main" xmlns="" id="{F04B52C9-151A-4992-A07C-A6A491AA4F19}"/>
               </a:ext>
             </a:extLst>
           </p:cNvPr>
@@ -1469,7 +1469,7 @@
           <a:p>
             <a:fld id="{AFFF3405-90A4-43B6-AF62-AB8B1C2AFE9B}" type="datetimeFigureOut">
               <a:rPr lang="en-US" smtClean="0"/>
-              <a:t>2/16/2022</a:t>
+              <a:t>12/24/2022</a:t>
             </a:fld>
             <a:endParaRPr lang="en-US"/>
           </a:p>
@@ -1480,7 +1480,7 @@
           <p:cNvPr id="5" name="Footer Placeholder 4">
             <a:extLst>
               <a:ext uri="{FF2B5EF4-FFF2-40B4-BE49-F238E27FC236}">
-                <a16:creationId xmlns:a16="http://schemas.microsoft.com/office/drawing/2014/main" id="{680A527E-14BD-4546-9AA8-98E01C0367D0}"/>
+                <a16:creationId xmlns:a16="http://schemas.microsoft.com/office/drawing/2014/main" xmlns="" id="{680A527E-14BD-4546-9AA8-98E01C0367D0}"/>
               </a:ext>
             </a:extLst>
           </p:cNvPr>
@@ -1505,7 +1505,7 @@
           <p:cNvPr id="6" name="Slide Number Placeholder 5">
             <a:extLst>
               <a:ext uri="{FF2B5EF4-FFF2-40B4-BE49-F238E27FC236}">
-                <a16:creationId xmlns:a16="http://schemas.microsoft.com/office/drawing/2014/main" id="{D03708D7-55C7-47EF-A19B-FEBE302BF04F}"/>
+                <a16:creationId xmlns:a16="http://schemas.microsoft.com/office/drawing/2014/main" xmlns="" id="{D03708D7-55C7-47EF-A19B-FEBE302BF04F}"/>
               </a:ext>
             </a:extLst>
           </p:cNvPr>
@@ -1564,7 +1564,7 @@
           <p:cNvPr id="2" name="Title 1">
             <a:extLst>
               <a:ext uri="{FF2B5EF4-FFF2-40B4-BE49-F238E27FC236}">
-                <a16:creationId xmlns:a16="http://schemas.microsoft.com/office/drawing/2014/main" id="{AFB334CA-6463-4490-8515-AA96ADFB7F82}"/>
+                <a16:creationId xmlns:a16="http://schemas.microsoft.com/office/drawing/2014/main" xmlns="" id="{AFB334CA-6463-4490-8515-AA96ADFB7F82}"/>
               </a:ext>
             </a:extLst>
           </p:cNvPr>
@@ -1601,7 +1601,7 @@
           <p:cNvPr id="3" name="Text Placeholder 2">
             <a:extLst>
               <a:ext uri="{FF2B5EF4-FFF2-40B4-BE49-F238E27FC236}">
-                <a16:creationId xmlns:a16="http://schemas.microsoft.com/office/drawing/2014/main" id="{133BA9D2-A6EF-4860-9131-8C4A2C772806}"/>
+                <a16:creationId xmlns:a16="http://schemas.microsoft.com/office/drawing/2014/main" xmlns="" id="{133BA9D2-A6EF-4860-9131-8C4A2C772806}"/>
               </a:ext>
             </a:extLst>
           </p:cNvPr>
@@ -1726,7 +1726,7 @@
           <p:cNvPr id="4" name="Date Placeholder 3">
             <a:extLst>
               <a:ext uri="{FF2B5EF4-FFF2-40B4-BE49-F238E27FC236}">
-                <a16:creationId xmlns:a16="http://schemas.microsoft.com/office/drawing/2014/main" id="{C544D36F-958D-43EF-9FD9-8A41FFF22E7C}"/>
+                <a16:creationId xmlns:a16="http://schemas.microsoft.com/office/drawing/2014/main" xmlns="" id="{C544D36F-958D-43EF-9FD9-8A41FFF22E7C}"/>
               </a:ext>
             </a:extLst>
           </p:cNvPr>
@@ -1744,7 +1744,7 @@
           <a:p>
             <a:fld id="{AFFF3405-90A4-43B6-AF62-AB8B1C2AFE9B}" type="datetimeFigureOut">
               <a:rPr lang="en-US" smtClean="0"/>
-              <a:t>2/16/2022</a:t>
+              <a:t>12/24/2022</a:t>
             </a:fld>
             <a:endParaRPr lang="en-US"/>
           </a:p>
@@ -1755,7 +1755,7 @@
           <p:cNvPr id="5" name="Footer Placeholder 4">
             <a:extLst>
               <a:ext uri="{FF2B5EF4-FFF2-40B4-BE49-F238E27FC236}">
-                <a16:creationId xmlns:a16="http://schemas.microsoft.com/office/drawing/2014/main" id="{772013B7-86C4-46E6-96CF-0B8088C14C0C}"/>
+                <a16:creationId xmlns:a16="http://schemas.microsoft.com/office/drawing/2014/main" xmlns="" id="{772013B7-86C4-46E6-96CF-0B8088C14C0C}"/>
               </a:ext>
             </a:extLst>
           </p:cNvPr>
@@ -1780,7 +1780,7 @@
           <p:cNvPr id="6" name="Slide Number Placeholder 5">
             <a:extLst>
               <a:ext uri="{FF2B5EF4-FFF2-40B4-BE49-F238E27FC236}">
-                <a16:creationId xmlns:a16="http://schemas.microsoft.com/office/drawing/2014/main" id="{F1FD88BE-9A4B-48E4-AF53-73BE0C747FB6}"/>
+                <a16:creationId xmlns:a16="http://schemas.microsoft.com/office/drawing/2014/main" xmlns="" id="{F1FD88BE-9A4B-48E4-AF53-73BE0C747FB6}"/>
               </a:ext>
             </a:extLst>
           </p:cNvPr>
@@ -1839,7 +1839,7 @@
           <p:cNvPr id="2" name="Title 1">
             <a:extLst>
               <a:ext uri="{FF2B5EF4-FFF2-40B4-BE49-F238E27FC236}">
-                <a16:creationId xmlns:a16="http://schemas.microsoft.com/office/drawing/2014/main" id="{A55DE4E7-440F-450A-B136-56C9176364B2}"/>
+                <a16:creationId xmlns:a16="http://schemas.microsoft.com/office/drawing/2014/main" xmlns="" id="{A55DE4E7-440F-450A-B136-56C9176364B2}"/>
               </a:ext>
             </a:extLst>
           </p:cNvPr>
@@ -1867,7 +1867,7 @@
           <p:cNvPr id="3" name="Content Placeholder 2">
             <a:extLst>
               <a:ext uri="{FF2B5EF4-FFF2-40B4-BE49-F238E27FC236}">
-                <a16:creationId xmlns:a16="http://schemas.microsoft.com/office/drawing/2014/main" id="{ADE43643-D09F-4F39-812C-347E3D4266C0}"/>
+                <a16:creationId xmlns:a16="http://schemas.microsoft.com/office/drawing/2014/main" xmlns="" id="{ADE43643-D09F-4F39-812C-347E3D4266C0}"/>
               </a:ext>
             </a:extLst>
           </p:cNvPr>
@@ -1929,7 +1929,7 @@
           <p:cNvPr id="4" name="Content Placeholder 3">
             <a:extLst>
               <a:ext uri="{FF2B5EF4-FFF2-40B4-BE49-F238E27FC236}">
-                <a16:creationId xmlns:a16="http://schemas.microsoft.com/office/drawing/2014/main" id="{E2390140-0DF2-48B6-9B22-DCD4F37DA14B}"/>
+                <a16:creationId xmlns:a16="http://schemas.microsoft.com/office/drawing/2014/main" xmlns="" id="{E2390140-0DF2-48B6-9B22-DCD4F37DA14B}"/>
               </a:ext>
             </a:extLst>
           </p:cNvPr>
@@ -1991,7 +1991,7 @@
           <p:cNvPr id="5" name="Date Placeholder 4">
             <a:extLst>
               <a:ext uri="{FF2B5EF4-FFF2-40B4-BE49-F238E27FC236}">
-                <a16:creationId xmlns:a16="http://schemas.microsoft.com/office/drawing/2014/main" id="{E90F383B-B200-47FC-A12F-89764959D929}"/>
+                <a16:creationId xmlns:a16="http://schemas.microsoft.com/office/drawing/2014/main" xmlns="" id="{E90F383B-B200-47FC-A12F-89764959D929}"/>
               </a:ext>
             </a:extLst>
           </p:cNvPr>
@@ -2009,7 +2009,7 @@
           <a:p>
             <a:fld id="{AFFF3405-90A4-43B6-AF62-AB8B1C2AFE9B}" type="datetimeFigureOut">
               <a:rPr lang="en-US" smtClean="0"/>
-              <a:t>2/16/2022</a:t>
+              <a:t>12/24/2022</a:t>
             </a:fld>
             <a:endParaRPr lang="en-US"/>
           </a:p>
@@ -2020,7 +2020,7 @@
           <p:cNvPr id="6" name="Footer Placeholder 5">
             <a:extLst>
               <a:ext uri="{FF2B5EF4-FFF2-40B4-BE49-F238E27FC236}">
-                <a16:creationId xmlns:a16="http://schemas.microsoft.com/office/drawing/2014/main" id="{83CC5B27-F0AD-4253-9390-02CA086BF078}"/>
+                <a16:creationId xmlns:a16="http://schemas.microsoft.com/office/drawing/2014/main" xmlns="" id="{83CC5B27-F0AD-4253-9390-02CA086BF078}"/>
               </a:ext>
             </a:extLst>
           </p:cNvPr>
@@ -2045,7 +2045,7 @@
           <p:cNvPr id="7" name="Slide Number Placeholder 6">
             <a:extLst>
               <a:ext uri="{FF2B5EF4-FFF2-40B4-BE49-F238E27FC236}">
-                <a16:creationId xmlns:a16="http://schemas.microsoft.com/office/drawing/2014/main" id="{D9B48005-FCB6-4931-81C1-7DC961584EE4}"/>
+                <a16:creationId xmlns:a16="http://schemas.microsoft.com/office/drawing/2014/main" xmlns="" id="{D9B48005-FCB6-4931-81C1-7DC961584EE4}"/>
               </a:ext>
             </a:extLst>
           </p:cNvPr>
@@ -2104,7 +2104,7 @@
           <p:cNvPr id="2" name="Title 1">
             <a:extLst>
               <a:ext uri="{FF2B5EF4-FFF2-40B4-BE49-F238E27FC236}">
-                <a16:creationId xmlns:a16="http://schemas.microsoft.com/office/drawing/2014/main" id="{BA4C8B7F-48CC-4E01-A993-A9B66C74A019}"/>
+                <a16:creationId xmlns:a16="http://schemas.microsoft.com/office/drawing/2014/main" xmlns="" id="{BA4C8B7F-48CC-4E01-A993-A9B66C74A019}"/>
               </a:ext>
             </a:extLst>
           </p:cNvPr>
@@ -2137,7 +2137,7 @@
           <p:cNvPr id="3" name="Text Placeholder 2">
             <a:extLst>
               <a:ext uri="{FF2B5EF4-FFF2-40B4-BE49-F238E27FC236}">
-                <a16:creationId xmlns:a16="http://schemas.microsoft.com/office/drawing/2014/main" id="{9762F4FA-8379-4CDD-8DBB-0510631FF062}"/>
+                <a16:creationId xmlns:a16="http://schemas.microsoft.com/office/drawing/2014/main" xmlns="" id="{9762F4FA-8379-4CDD-8DBB-0510631FF062}"/>
               </a:ext>
             </a:extLst>
           </p:cNvPr>
@@ -2208,7 +2208,7 @@
           <p:cNvPr id="4" name="Content Placeholder 3">
             <a:extLst>
               <a:ext uri="{FF2B5EF4-FFF2-40B4-BE49-F238E27FC236}">
-                <a16:creationId xmlns:a16="http://schemas.microsoft.com/office/drawing/2014/main" id="{EE9BBF04-8109-4833-A477-792FA1B2C423}"/>
+                <a16:creationId xmlns:a16="http://schemas.microsoft.com/office/drawing/2014/main" xmlns="" id="{EE9BBF04-8109-4833-A477-792FA1B2C423}"/>
               </a:ext>
             </a:extLst>
           </p:cNvPr>
@@ -2270,7 +2270,7 @@
           <p:cNvPr id="5" name="Text Placeholder 4">
             <a:extLst>
               <a:ext uri="{FF2B5EF4-FFF2-40B4-BE49-F238E27FC236}">
-                <a16:creationId xmlns:a16="http://schemas.microsoft.com/office/drawing/2014/main" id="{E71095BF-C81B-422A-9F62-8029A993F767}"/>
+                <a16:creationId xmlns:a16="http://schemas.microsoft.com/office/drawing/2014/main" xmlns="" id="{E71095BF-C81B-422A-9F62-8029A993F767}"/>
               </a:ext>
             </a:extLst>
           </p:cNvPr>
@@ -2341,7 +2341,7 @@
           <p:cNvPr id="6" name="Content Placeholder 5">
             <a:extLst>
               <a:ext uri="{FF2B5EF4-FFF2-40B4-BE49-F238E27FC236}">
-                <a16:creationId xmlns:a16="http://schemas.microsoft.com/office/drawing/2014/main" id="{210F0F8E-C0E9-4D51-9295-FD53B4ACAEF5}"/>
+                <a16:creationId xmlns:a16="http://schemas.microsoft.com/office/drawing/2014/main" xmlns="" id="{210F0F8E-C0E9-4D51-9295-FD53B4ACAEF5}"/>
               </a:ext>
             </a:extLst>
           </p:cNvPr>
@@ -2403,7 +2403,7 @@
           <p:cNvPr id="7" name="Date Placeholder 6">
             <a:extLst>
               <a:ext uri="{FF2B5EF4-FFF2-40B4-BE49-F238E27FC236}">
-                <a16:creationId xmlns:a16="http://schemas.microsoft.com/office/drawing/2014/main" id="{1231F143-C64F-4F2D-A910-2B58964C298A}"/>
+                <a16:creationId xmlns:a16="http://schemas.microsoft.com/office/drawing/2014/main" xmlns="" id="{1231F143-C64F-4F2D-A910-2B58964C298A}"/>
               </a:ext>
             </a:extLst>
           </p:cNvPr>
@@ -2421,7 +2421,7 @@
           <a:p>
             <a:fld id="{AFFF3405-90A4-43B6-AF62-AB8B1C2AFE9B}" type="datetimeFigureOut">
               <a:rPr lang="en-US" smtClean="0"/>
-              <a:t>2/16/2022</a:t>
+              <a:t>12/24/2022</a:t>
             </a:fld>
             <a:endParaRPr lang="en-US"/>
           </a:p>
@@ -2432,7 +2432,7 @@
           <p:cNvPr id="8" name="Footer Placeholder 7">
             <a:extLst>
               <a:ext uri="{FF2B5EF4-FFF2-40B4-BE49-F238E27FC236}">
-                <a16:creationId xmlns:a16="http://schemas.microsoft.com/office/drawing/2014/main" id="{F372FAC3-35F1-44FA-B329-4A225D1EC0C4}"/>
+                <a16:creationId xmlns:a16="http://schemas.microsoft.com/office/drawing/2014/main" xmlns="" id="{F372FAC3-35F1-44FA-B329-4A225D1EC0C4}"/>
               </a:ext>
             </a:extLst>
           </p:cNvPr>
@@ -2457,7 +2457,7 @@
           <p:cNvPr id="9" name="Slide Number Placeholder 8">
             <a:extLst>
               <a:ext uri="{FF2B5EF4-FFF2-40B4-BE49-F238E27FC236}">
-                <a16:creationId xmlns:a16="http://schemas.microsoft.com/office/drawing/2014/main" id="{D60FD750-F36C-46B2-B9D2-2BC7432915DF}"/>
+                <a16:creationId xmlns:a16="http://schemas.microsoft.com/office/drawing/2014/main" xmlns="" id="{D60FD750-F36C-46B2-B9D2-2BC7432915DF}"/>
               </a:ext>
             </a:extLst>
           </p:cNvPr>
@@ -2516,7 +2516,7 @@
           <p:cNvPr id="2" name="Title 1">
             <a:extLst>
               <a:ext uri="{FF2B5EF4-FFF2-40B4-BE49-F238E27FC236}">
-                <a16:creationId xmlns:a16="http://schemas.microsoft.com/office/drawing/2014/main" id="{4D0946D1-F0DB-48EF-955C-CD7A8164C80E}"/>
+                <a16:creationId xmlns:a16="http://schemas.microsoft.com/office/drawing/2014/main" xmlns="" id="{4D0946D1-F0DB-48EF-955C-CD7A8164C80E}"/>
               </a:ext>
             </a:extLst>
           </p:cNvPr>
@@ -2544,7 +2544,7 @@
           <p:cNvPr id="3" name="Date Placeholder 2">
             <a:extLst>
               <a:ext uri="{FF2B5EF4-FFF2-40B4-BE49-F238E27FC236}">
-                <a16:creationId xmlns:a16="http://schemas.microsoft.com/office/drawing/2014/main" id="{ED7B449C-8235-4F41-BFD0-CC2EB04FDAB1}"/>
+                <a16:creationId xmlns:a16="http://schemas.microsoft.com/office/drawing/2014/main" xmlns="" id="{ED7B449C-8235-4F41-BFD0-CC2EB04FDAB1}"/>
               </a:ext>
             </a:extLst>
           </p:cNvPr>
@@ -2562,7 +2562,7 @@
           <a:p>
             <a:fld id="{AFFF3405-90A4-43B6-AF62-AB8B1C2AFE9B}" type="datetimeFigureOut">
               <a:rPr lang="en-US" smtClean="0"/>
-              <a:t>2/16/2022</a:t>
+              <a:t>12/24/2022</a:t>
             </a:fld>
             <a:endParaRPr lang="en-US"/>
           </a:p>
@@ -2573,7 +2573,7 @@
           <p:cNvPr id="4" name="Footer Placeholder 3">
             <a:extLst>
               <a:ext uri="{FF2B5EF4-FFF2-40B4-BE49-F238E27FC236}">
-                <a16:creationId xmlns:a16="http://schemas.microsoft.com/office/drawing/2014/main" id="{472772BF-4BDF-4A4A-AB23-DC5A9192C570}"/>
+                <a16:creationId xmlns:a16="http://schemas.microsoft.com/office/drawing/2014/main" xmlns="" id="{472772BF-4BDF-4A4A-AB23-DC5A9192C570}"/>
               </a:ext>
             </a:extLst>
           </p:cNvPr>
@@ -2598,7 +2598,7 @@
           <p:cNvPr id="5" name="Slide Number Placeholder 4">
             <a:extLst>
               <a:ext uri="{FF2B5EF4-FFF2-40B4-BE49-F238E27FC236}">
-                <a16:creationId xmlns:a16="http://schemas.microsoft.com/office/drawing/2014/main" id="{EF3F464F-7799-4A5E-996B-044E98241A38}"/>
+                <a16:creationId xmlns:a16="http://schemas.microsoft.com/office/drawing/2014/main" xmlns="" id="{EF3F464F-7799-4A5E-996B-044E98241A38}"/>
               </a:ext>
             </a:extLst>
           </p:cNvPr>
@@ -2657,7 +2657,7 @@
           <p:cNvPr id="2" name="Date Placeholder 1">
             <a:extLst>
               <a:ext uri="{FF2B5EF4-FFF2-40B4-BE49-F238E27FC236}">
-                <a16:creationId xmlns:a16="http://schemas.microsoft.com/office/drawing/2014/main" id="{AB8F1364-49E9-4FC3-9BB0-A6EF759F3103}"/>
+                <a16:creationId xmlns:a16="http://schemas.microsoft.com/office/drawing/2014/main" xmlns="" id="{AB8F1364-49E9-4FC3-9BB0-A6EF759F3103}"/>
               </a:ext>
             </a:extLst>
           </p:cNvPr>
@@ -2675,7 +2675,7 @@
           <a:p>
             <a:fld id="{AFFF3405-90A4-43B6-AF62-AB8B1C2AFE9B}" type="datetimeFigureOut">
               <a:rPr lang="en-US" smtClean="0"/>
-              <a:t>2/16/2022</a:t>
+              <a:t>12/24/2022</a:t>
             </a:fld>
             <a:endParaRPr lang="en-US"/>
           </a:p>
@@ -2686,7 +2686,7 @@
           <p:cNvPr id="3" name="Footer Placeholder 2">
             <a:extLst>
               <a:ext uri="{FF2B5EF4-FFF2-40B4-BE49-F238E27FC236}">
-                <a16:creationId xmlns:a16="http://schemas.microsoft.com/office/drawing/2014/main" id="{5A2ED01E-39C0-464A-83B3-905D9FE0EEEB}"/>
+                <a16:creationId xmlns:a16="http://schemas.microsoft.com/office/drawing/2014/main" xmlns="" id="{5A2ED01E-39C0-464A-83B3-905D9FE0EEEB}"/>
               </a:ext>
             </a:extLst>
           </p:cNvPr>
@@ -2711,7 +2711,7 @@
           <p:cNvPr id="4" name="Slide Number Placeholder 3">
             <a:extLst>
               <a:ext uri="{FF2B5EF4-FFF2-40B4-BE49-F238E27FC236}">
-                <a16:creationId xmlns:a16="http://schemas.microsoft.com/office/drawing/2014/main" id="{8054AE75-2223-4270-9B6C-F0B65D278BD7}"/>
+                <a16:creationId xmlns:a16="http://schemas.microsoft.com/office/drawing/2014/main" xmlns="" id="{8054AE75-2223-4270-9B6C-F0B65D278BD7}"/>
               </a:ext>
             </a:extLst>
           </p:cNvPr>
@@ -2770,7 +2770,7 @@
           <p:cNvPr id="2" name="Title 1">
             <a:extLst>
               <a:ext uri="{FF2B5EF4-FFF2-40B4-BE49-F238E27FC236}">
-                <a16:creationId xmlns:a16="http://schemas.microsoft.com/office/drawing/2014/main" id="{DD3F2A43-D3F3-42AD-BCDD-308EBD765702}"/>
+                <a16:creationId xmlns:a16="http://schemas.microsoft.com/office/drawing/2014/main" xmlns="" id="{DD3F2A43-D3F3-42AD-BCDD-308EBD765702}"/>
               </a:ext>
             </a:extLst>
           </p:cNvPr>
@@ -2807,7 +2807,7 @@
           <p:cNvPr id="3" name="Content Placeholder 2">
             <a:extLst>
               <a:ext uri="{FF2B5EF4-FFF2-40B4-BE49-F238E27FC236}">
-                <a16:creationId xmlns:a16="http://schemas.microsoft.com/office/drawing/2014/main" id="{37B2AF09-FFC7-4A8C-8F90-288EA5FAC40C}"/>
+                <a16:creationId xmlns:a16="http://schemas.microsoft.com/office/drawing/2014/main" xmlns="" id="{37B2AF09-FFC7-4A8C-8F90-288EA5FAC40C}"/>
               </a:ext>
             </a:extLst>
           </p:cNvPr>
@@ -2897,7 +2897,7 @@
           <p:cNvPr id="4" name="Text Placeholder 3">
             <a:extLst>
               <a:ext uri="{FF2B5EF4-FFF2-40B4-BE49-F238E27FC236}">
-                <a16:creationId xmlns:a16="http://schemas.microsoft.com/office/drawing/2014/main" id="{7B9EFC05-412F-4729-A9DD-FE55FB939B54}"/>
+                <a16:creationId xmlns:a16="http://schemas.microsoft.com/office/drawing/2014/main" xmlns="" id="{7B9EFC05-412F-4729-A9DD-FE55FB939B54}"/>
               </a:ext>
             </a:extLst>
           </p:cNvPr>
@@ -2968,7 +2968,7 @@
           <p:cNvPr id="5" name="Date Placeholder 4">
             <a:extLst>
               <a:ext uri="{FF2B5EF4-FFF2-40B4-BE49-F238E27FC236}">
-                <a16:creationId xmlns:a16="http://schemas.microsoft.com/office/drawing/2014/main" id="{514E2246-5B2A-4F45-AE12-51A76295608C}"/>
+                <a16:creationId xmlns:a16="http://schemas.microsoft.com/office/drawing/2014/main" xmlns="" id="{514E2246-5B2A-4F45-AE12-51A76295608C}"/>
               </a:ext>
             </a:extLst>
           </p:cNvPr>
@@ -2986,7 +2986,7 @@
           <a:p>
             <a:fld id="{AFFF3405-90A4-43B6-AF62-AB8B1C2AFE9B}" type="datetimeFigureOut">
               <a:rPr lang="en-US" smtClean="0"/>
-              <a:t>2/16/2022</a:t>
+              <a:t>12/24/2022</a:t>
             </a:fld>
             <a:endParaRPr lang="en-US"/>
           </a:p>
@@ -2997,7 +2997,7 @@
           <p:cNvPr id="6" name="Footer Placeholder 5">
             <a:extLst>
               <a:ext uri="{FF2B5EF4-FFF2-40B4-BE49-F238E27FC236}">
-                <a16:creationId xmlns:a16="http://schemas.microsoft.com/office/drawing/2014/main" id="{5D5EA0A2-36B2-442E-B5D8-3CD53845F7D5}"/>
+                <a16:creationId xmlns:a16="http://schemas.microsoft.com/office/drawing/2014/main" xmlns="" id="{5D5EA0A2-36B2-442E-B5D8-3CD53845F7D5}"/>
               </a:ext>
             </a:extLst>
           </p:cNvPr>
@@ -3022,7 +3022,7 @@
           <p:cNvPr id="7" name="Slide Number Placeholder 6">
             <a:extLst>
               <a:ext uri="{FF2B5EF4-FFF2-40B4-BE49-F238E27FC236}">
-                <a16:creationId xmlns:a16="http://schemas.microsoft.com/office/drawing/2014/main" id="{6BF44ADE-5F85-41D5-9583-9203623E9153}"/>
+                <a16:creationId xmlns:a16="http://schemas.microsoft.com/office/drawing/2014/main" xmlns="" id="{6BF44ADE-5F85-41D5-9583-9203623E9153}"/>
               </a:ext>
             </a:extLst>
           </p:cNvPr>
@@ -3081,7 +3081,7 @@
           <p:cNvPr id="2" name="Title 1">
             <a:extLst>
               <a:ext uri="{FF2B5EF4-FFF2-40B4-BE49-F238E27FC236}">
-                <a16:creationId xmlns:a16="http://schemas.microsoft.com/office/drawing/2014/main" id="{91FFA0EE-4582-4625-BAFA-8B58CF65DCAC}"/>
+                <a16:creationId xmlns:a16="http://schemas.microsoft.com/office/drawing/2014/main" xmlns="" id="{91FFA0EE-4582-4625-BAFA-8B58CF65DCAC}"/>
               </a:ext>
             </a:extLst>
           </p:cNvPr>
@@ -3118,7 +3118,7 @@
           <p:cNvPr id="3" name="Picture Placeholder 2">
             <a:extLst>
               <a:ext uri="{FF2B5EF4-FFF2-40B4-BE49-F238E27FC236}">
-                <a16:creationId xmlns:a16="http://schemas.microsoft.com/office/drawing/2014/main" id="{C630B261-87AE-4916-9925-009D2F293B3F}"/>
+                <a16:creationId xmlns:a16="http://schemas.microsoft.com/office/drawing/2014/main" xmlns="" id="{C630B261-87AE-4916-9925-009D2F293B3F}"/>
               </a:ext>
             </a:extLst>
           </p:cNvPr>
@@ -3185,7 +3185,7 @@
           <p:cNvPr id="4" name="Text Placeholder 3">
             <a:extLst>
               <a:ext uri="{FF2B5EF4-FFF2-40B4-BE49-F238E27FC236}">
-                <a16:creationId xmlns:a16="http://schemas.microsoft.com/office/drawing/2014/main" id="{D1115DD9-A740-40EA-BC31-1DE7E1B989D3}"/>
+                <a16:creationId xmlns:a16="http://schemas.microsoft.com/office/drawing/2014/main" xmlns="" id="{D1115DD9-A740-40EA-BC31-1DE7E1B989D3}"/>
               </a:ext>
             </a:extLst>
           </p:cNvPr>
@@ -3256,7 +3256,7 @@
           <p:cNvPr id="5" name="Date Placeholder 4">
             <a:extLst>
               <a:ext uri="{FF2B5EF4-FFF2-40B4-BE49-F238E27FC236}">
-                <a16:creationId xmlns:a16="http://schemas.microsoft.com/office/drawing/2014/main" id="{4CDFF92B-CE11-4218-B530-6460666E03CF}"/>
+                <a16:creationId xmlns:a16="http://schemas.microsoft.com/office/drawing/2014/main" xmlns="" id="{4CDFF92B-CE11-4218-B530-6460666E03CF}"/>
               </a:ext>
             </a:extLst>
           </p:cNvPr>
@@ -3274,7 +3274,7 @@
           <a:p>
             <a:fld id="{AFFF3405-90A4-43B6-AF62-AB8B1C2AFE9B}" type="datetimeFigureOut">
               <a:rPr lang="en-US" smtClean="0"/>
-              <a:t>2/16/2022</a:t>
+              <a:t>12/24/2022</a:t>
             </a:fld>
             <a:endParaRPr lang="en-US"/>
           </a:p>
@@ -3285,7 +3285,7 @@
           <p:cNvPr id="6" name="Footer Placeholder 5">
             <a:extLst>
               <a:ext uri="{FF2B5EF4-FFF2-40B4-BE49-F238E27FC236}">
-                <a16:creationId xmlns:a16="http://schemas.microsoft.com/office/drawing/2014/main" id="{EACAE704-9ACF-46E9-9775-62471D0A079A}"/>
+                <a16:creationId xmlns:a16="http://schemas.microsoft.com/office/drawing/2014/main" xmlns="" id="{EACAE704-9ACF-46E9-9775-62471D0A079A}"/>
               </a:ext>
             </a:extLst>
           </p:cNvPr>
@@ -3310,7 +3310,7 @@
           <p:cNvPr id="7" name="Slide Number Placeholder 6">
             <a:extLst>
               <a:ext uri="{FF2B5EF4-FFF2-40B4-BE49-F238E27FC236}">
-                <a16:creationId xmlns:a16="http://schemas.microsoft.com/office/drawing/2014/main" id="{0E40D6F4-6683-4635-8EE7-ABD51CA5CCBA}"/>
+                <a16:creationId xmlns:a16="http://schemas.microsoft.com/office/drawing/2014/main" xmlns="" id="{0E40D6F4-6683-4635-8EE7-ABD51CA5CCBA}"/>
               </a:ext>
             </a:extLst>
           </p:cNvPr>
@@ -3374,7 +3374,7 @@
           <p:cNvPr id="2" name="Title Placeholder 1">
             <a:extLst>
               <a:ext uri="{FF2B5EF4-FFF2-40B4-BE49-F238E27FC236}">
-                <a16:creationId xmlns:a16="http://schemas.microsoft.com/office/drawing/2014/main" id="{4BC62FBC-3EC8-4255-88FE-F2E910E69D51}"/>
+                <a16:creationId xmlns:a16="http://schemas.microsoft.com/office/drawing/2014/main" xmlns="" id="{4BC62FBC-3EC8-4255-88FE-F2E910E69D51}"/>
               </a:ext>
             </a:extLst>
           </p:cNvPr>
@@ -3412,7 +3412,7 @@
           <p:cNvPr id="3" name="Text Placeholder 2">
             <a:extLst>
               <a:ext uri="{FF2B5EF4-FFF2-40B4-BE49-F238E27FC236}">
-                <a16:creationId xmlns:a16="http://schemas.microsoft.com/office/drawing/2014/main" id="{951CEBE7-1AE3-491E-8D45-E7784B5F749C}"/>
+                <a16:creationId xmlns:a16="http://schemas.microsoft.com/office/drawing/2014/main" xmlns="" id="{951CEBE7-1AE3-491E-8D45-E7784B5F749C}"/>
               </a:ext>
             </a:extLst>
           </p:cNvPr>
@@ -3479,7 +3479,7 @@
           <p:cNvPr id="4" name="Date Placeholder 3">
             <a:extLst>
               <a:ext uri="{FF2B5EF4-FFF2-40B4-BE49-F238E27FC236}">
-                <a16:creationId xmlns:a16="http://schemas.microsoft.com/office/drawing/2014/main" id="{EF9D5D3A-1630-4C5A-9588-1B84A148C1A9}"/>
+                <a16:creationId xmlns:a16="http://schemas.microsoft.com/office/drawing/2014/main" xmlns="" id="{EF9D5D3A-1630-4C5A-9588-1B84A148C1A9}"/>
               </a:ext>
             </a:extLst>
           </p:cNvPr>
@@ -3515,7 +3515,7 @@
           <a:p>
             <a:fld id="{AFFF3405-90A4-43B6-AF62-AB8B1C2AFE9B}" type="datetimeFigureOut">
               <a:rPr lang="en-US" smtClean="0"/>
-              <a:t>2/16/2022</a:t>
+              <a:t>12/24/2022</a:t>
             </a:fld>
             <a:endParaRPr lang="en-US"/>
           </a:p>
@@ -3526,7 +3526,7 @@
           <p:cNvPr id="5" name="Footer Placeholder 4">
             <a:extLst>
               <a:ext uri="{FF2B5EF4-FFF2-40B4-BE49-F238E27FC236}">
-                <a16:creationId xmlns:a16="http://schemas.microsoft.com/office/drawing/2014/main" id="{A6B2F570-17E7-4638-9B5F-07782B7F66EB}"/>
+                <a16:creationId xmlns:a16="http://schemas.microsoft.com/office/drawing/2014/main" xmlns="" id="{A6B2F570-17E7-4638-9B5F-07782B7F66EB}"/>
               </a:ext>
             </a:extLst>
           </p:cNvPr>
@@ -3569,7 +3569,7 @@
           <p:cNvPr id="6" name="Slide Number Placeholder 5">
             <a:extLst>
               <a:ext uri="{FF2B5EF4-FFF2-40B4-BE49-F238E27FC236}">
-                <a16:creationId xmlns:a16="http://schemas.microsoft.com/office/drawing/2014/main" id="{CE5353FC-90B8-47DC-9402-52F01904D606}"/>
+                <a16:creationId xmlns:a16="http://schemas.microsoft.com/office/drawing/2014/main" xmlns="" id="{CE5353FC-90B8-47DC-9402-52F01904D606}"/>
               </a:ext>
             </a:extLst>
           </p:cNvPr>
@@ -3937,7 +3937,7 @@
           <p:cNvPr id="2" name="Group 1">
             <a:extLst>
               <a:ext uri="{FF2B5EF4-FFF2-40B4-BE49-F238E27FC236}">
-                <a16:creationId xmlns:a16="http://schemas.microsoft.com/office/drawing/2014/main" id="{F3A2F0F6-EB17-40EB-9981-87C7F838B224}"/>
+                <a16:creationId xmlns:a16="http://schemas.microsoft.com/office/drawing/2014/main" xmlns="" id="{F3A2F0F6-EB17-40EB-9981-87C7F838B224}"/>
               </a:ext>
             </a:extLst>
           </p:cNvPr>
@@ -3957,7 +3957,7 @@
             <p:cNvPr id="5" name="Picture 4">
               <a:extLst>
                 <a:ext uri="{FF2B5EF4-FFF2-40B4-BE49-F238E27FC236}">
-                  <a16:creationId xmlns:a16="http://schemas.microsoft.com/office/drawing/2014/main" id="{B249035B-9ABD-4CA1-B4B9-06995FB74E98}"/>
+                  <a16:creationId xmlns:a16="http://schemas.microsoft.com/office/drawing/2014/main" xmlns="" id="{B249035B-9ABD-4CA1-B4B9-06995FB74E98}"/>
                 </a:ext>
               </a:extLst>
             </p:cNvPr>
@@ -3967,7 +3967,7 @@
             <p:nvPr/>
           </p:nvPicPr>
           <p:blipFill>
-            <a:blip r:embed="rId3">
+            <a:blip r:embed="rId3" cstate="print">
               <a:extLst>
                 <a:ext uri="{28A0092B-C50C-407E-A947-70E740481C1C}">
                   <a14:useLocalDpi xmlns:a14="http://schemas.microsoft.com/office/drawing/2010/main" val="0"/>
@@ -3993,7 +3993,7 @@
             <p:cNvPr id="6" name="TextBox 5">
               <a:extLst>
                 <a:ext uri="{FF2B5EF4-FFF2-40B4-BE49-F238E27FC236}">
-                  <a16:creationId xmlns:a16="http://schemas.microsoft.com/office/drawing/2014/main" id="{B4984F88-B234-4870-8AB1-ADB4A60A1C5B}"/>
+                  <a16:creationId xmlns:a16="http://schemas.microsoft.com/office/drawing/2014/main" xmlns="" id="{B4984F88-B234-4870-8AB1-ADB4A60A1C5B}"/>
                 </a:ext>
               </a:extLst>
             </p:cNvPr>
@@ -4036,7 +4036,7 @@
           <p:cNvPr id="8" name="TextBox 7">
             <a:extLst>
               <a:ext uri="{FF2B5EF4-FFF2-40B4-BE49-F238E27FC236}">
-                <a16:creationId xmlns:a16="http://schemas.microsoft.com/office/drawing/2014/main" id="{2D6F5584-0EE9-470E-9DF7-9B59A973FF26}"/>
+                <a16:creationId xmlns:a16="http://schemas.microsoft.com/office/drawing/2014/main" xmlns="" id="{2D6F5584-0EE9-470E-9DF7-9B59A973FF26}"/>
               </a:ext>
             </a:extLst>
           </p:cNvPr>
@@ -4077,7 +4077,7 @@
           <p:cNvPr id="4" name="Straight Connector 3">
             <a:extLst>
               <a:ext uri="{FF2B5EF4-FFF2-40B4-BE49-F238E27FC236}">
-                <a16:creationId xmlns:a16="http://schemas.microsoft.com/office/drawing/2014/main" id="{5494D51F-F0E8-443A-9EF9-3B670ABA16DD}"/>
+                <a16:creationId xmlns:a16="http://schemas.microsoft.com/office/drawing/2014/main" xmlns="" id="{5494D51F-F0E8-443A-9EF9-3B670ABA16DD}"/>
               </a:ext>
             </a:extLst>
           </p:cNvPr>
@@ -4120,7 +4120,7 @@
           <p:cNvPr id="3" name="TextBox 2">
             <a:extLst>
               <a:ext uri="{FF2B5EF4-FFF2-40B4-BE49-F238E27FC236}">
-                <a16:creationId xmlns:a16="http://schemas.microsoft.com/office/drawing/2014/main" id="{2AFB274D-4444-4CD6-95D2-91684066185A}"/>
+                <a16:creationId xmlns:a16="http://schemas.microsoft.com/office/drawing/2014/main" xmlns="" id="{2AFB274D-4444-4CD6-95D2-91684066185A}"/>
               </a:ext>
             </a:extLst>
           </p:cNvPr>
@@ -4162,7 +4162,7 @@
           <p:cNvPr id="9" name="TextBox 8">
             <a:extLst>
               <a:ext uri="{FF2B5EF4-FFF2-40B4-BE49-F238E27FC236}">
-                <a16:creationId xmlns:a16="http://schemas.microsoft.com/office/drawing/2014/main" id="{0B45CB2E-F533-439B-ACA8-5E9F1C6D98FC}"/>
+                <a16:creationId xmlns:a16="http://schemas.microsoft.com/office/drawing/2014/main" xmlns="" id="{0B45CB2E-F533-439B-ACA8-5E9F1C6D98FC}"/>
               </a:ext>
             </a:extLst>
           </p:cNvPr>
@@ -5534,7 +5534,7 @@
           <p:cNvPr id="2" name="Group 1">
             <a:extLst>
               <a:ext uri="{FF2B5EF4-FFF2-40B4-BE49-F238E27FC236}">
-                <a16:creationId xmlns:a16="http://schemas.microsoft.com/office/drawing/2014/main" id="{F3A2F0F6-EB17-40EB-9981-87C7F838B224}"/>
+                <a16:creationId xmlns:a16="http://schemas.microsoft.com/office/drawing/2014/main" xmlns="" id="{F3A2F0F6-EB17-40EB-9981-87C7F838B224}"/>
               </a:ext>
             </a:extLst>
           </p:cNvPr>
@@ -5554,7 +5554,7 @@
             <p:cNvPr id="5" name="Picture 4">
               <a:extLst>
                 <a:ext uri="{FF2B5EF4-FFF2-40B4-BE49-F238E27FC236}">
-                  <a16:creationId xmlns:a16="http://schemas.microsoft.com/office/drawing/2014/main" id="{B249035B-9ABD-4CA1-B4B9-06995FB74E98}"/>
+                  <a16:creationId xmlns:a16="http://schemas.microsoft.com/office/drawing/2014/main" xmlns="" id="{B249035B-9ABD-4CA1-B4B9-06995FB74E98}"/>
                 </a:ext>
               </a:extLst>
             </p:cNvPr>
@@ -5564,7 +5564,7 @@
             <p:nvPr/>
           </p:nvPicPr>
           <p:blipFill>
-            <a:blip r:embed="rId3">
+            <a:blip r:embed="rId3" cstate="print">
               <a:extLst>
                 <a:ext uri="{28A0092B-C50C-407E-A947-70E740481C1C}">
                   <a14:useLocalDpi xmlns:a14="http://schemas.microsoft.com/office/drawing/2010/main" val="0"/>
@@ -5590,7 +5590,7 @@
             <p:cNvPr id="6" name="TextBox 5">
               <a:extLst>
                 <a:ext uri="{FF2B5EF4-FFF2-40B4-BE49-F238E27FC236}">
-                  <a16:creationId xmlns:a16="http://schemas.microsoft.com/office/drawing/2014/main" id="{B4984F88-B234-4870-8AB1-ADB4A60A1C5B}"/>
+                  <a16:creationId xmlns:a16="http://schemas.microsoft.com/office/drawing/2014/main" xmlns="" id="{B4984F88-B234-4870-8AB1-ADB4A60A1C5B}"/>
                 </a:ext>
               </a:extLst>
             </p:cNvPr>
@@ -5633,7 +5633,7 @@
           <p:cNvPr id="8" name="TextBox 7">
             <a:extLst>
               <a:ext uri="{FF2B5EF4-FFF2-40B4-BE49-F238E27FC236}">
-                <a16:creationId xmlns:a16="http://schemas.microsoft.com/office/drawing/2014/main" id="{2D6F5584-0EE9-470E-9DF7-9B59A973FF26}"/>
+                <a16:creationId xmlns:a16="http://schemas.microsoft.com/office/drawing/2014/main" xmlns="" id="{2D6F5584-0EE9-470E-9DF7-9B59A973FF26}"/>
               </a:ext>
             </a:extLst>
           </p:cNvPr>
@@ -5674,7 +5674,7 @@
           <p:cNvPr id="4" name="Straight Connector 3">
             <a:extLst>
               <a:ext uri="{FF2B5EF4-FFF2-40B4-BE49-F238E27FC236}">
-                <a16:creationId xmlns:a16="http://schemas.microsoft.com/office/drawing/2014/main" id="{5494D51F-F0E8-443A-9EF9-3B670ABA16DD}"/>
+                <a16:creationId xmlns:a16="http://schemas.microsoft.com/office/drawing/2014/main" xmlns="" id="{5494D51F-F0E8-443A-9EF9-3B670ABA16DD}"/>
               </a:ext>
             </a:extLst>
           </p:cNvPr>
@@ -5717,7 +5717,7 @@
           <p:cNvPr id="3" name="TextBox 2">
             <a:extLst>
               <a:ext uri="{FF2B5EF4-FFF2-40B4-BE49-F238E27FC236}">
-                <a16:creationId xmlns:a16="http://schemas.microsoft.com/office/drawing/2014/main" id="{2AFB274D-4444-4CD6-95D2-91684066185A}"/>
+                <a16:creationId xmlns:a16="http://schemas.microsoft.com/office/drawing/2014/main" xmlns="" id="{2AFB274D-4444-4CD6-95D2-91684066185A}"/>
               </a:ext>
             </a:extLst>
           </p:cNvPr>
@@ -5934,7 +5934,7 @@
           <p:cNvPr id="2" name="Group 1">
             <a:extLst>
               <a:ext uri="{FF2B5EF4-FFF2-40B4-BE49-F238E27FC236}">
-                <a16:creationId xmlns:a16="http://schemas.microsoft.com/office/drawing/2014/main" id="{F3A2F0F6-EB17-40EB-9981-87C7F838B224}"/>
+                <a16:creationId xmlns:a16="http://schemas.microsoft.com/office/drawing/2014/main" xmlns="" id="{F3A2F0F6-EB17-40EB-9981-87C7F838B224}"/>
               </a:ext>
             </a:extLst>
           </p:cNvPr>
@@ -5954,7 +5954,7 @@
             <p:cNvPr id="5" name="Picture 4">
               <a:extLst>
                 <a:ext uri="{FF2B5EF4-FFF2-40B4-BE49-F238E27FC236}">
-                  <a16:creationId xmlns:a16="http://schemas.microsoft.com/office/drawing/2014/main" id="{B249035B-9ABD-4CA1-B4B9-06995FB74E98}"/>
+                  <a16:creationId xmlns:a16="http://schemas.microsoft.com/office/drawing/2014/main" xmlns="" id="{B249035B-9ABD-4CA1-B4B9-06995FB74E98}"/>
                 </a:ext>
               </a:extLst>
             </p:cNvPr>
@@ -5964,7 +5964,7 @@
             <p:nvPr/>
           </p:nvPicPr>
           <p:blipFill>
-            <a:blip r:embed="rId3">
+            <a:blip r:embed="rId3" cstate="print">
               <a:extLst>
                 <a:ext uri="{28A0092B-C50C-407E-A947-70E740481C1C}">
                   <a14:useLocalDpi xmlns:a14="http://schemas.microsoft.com/office/drawing/2010/main" val="0"/>
@@ -5990,7 +5990,7 @@
             <p:cNvPr id="6" name="TextBox 5">
               <a:extLst>
                 <a:ext uri="{FF2B5EF4-FFF2-40B4-BE49-F238E27FC236}">
-                  <a16:creationId xmlns:a16="http://schemas.microsoft.com/office/drawing/2014/main" id="{B4984F88-B234-4870-8AB1-ADB4A60A1C5B}"/>
+                  <a16:creationId xmlns:a16="http://schemas.microsoft.com/office/drawing/2014/main" xmlns="" id="{B4984F88-B234-4870-8AB1-ADB4A60A1C5B}"/>
                 </a:ext>
               </a:extLst>
             </p:cNvPr>
@@ -6033,7 +6033,7 @@
           <p:cNvPr id="8" name="TextBox 7">
             <a:extLst>
               <a:ext uri="{FF2B5EF4-FFF2-40B4-BE49-F238E27FC236}">
-                <a16:creationId xmlns:a16="http://schemas.microsoft.com/office/drawing/2014/main" id="{2D6F5584-0EE9-470E-9DF7-9B59A973FF26}"/>
+                <a16:creationId xmlns:a16="http://schemas.microsoft.com/office/drawing/2014/main" xmlns="" id="{2D6F5584-0EE9-470E-9DF7-9B59A973FF26}"/>
               </a:ext>
             </a:extLst>
           </p:cNvPr>
@@ -6074,7 +6074,7 @@
           <p:cNvPr id="4" name="Straight Connector 3">
             <a:extLst>
               <a:ext uri="{FF2B5EF4-FFF2-40B4-BE49-F238E27FC236}">
-                <a16:creationId xmlns:a16="http://schemas.microsoft.com/office/drawing/2014/main" id="{5494D51F-F0E8-443A-9EF9-3B670ABA16DD}"/>
+                <a16:creationId xmlns:a16="http://schemas.microsoft.com/office/drawing/2014/main" xmlns="" id="{5494D51F-F0E8-443A-9EF9-3B670ABA16DD}"/>
               </a:ext>
             </a:extLst>
           </p:cNvPr>
@@ -6117,7 +6117,7 @@
           <p:cNvPr id="3" name="TextBox 2">
             <a:extLst>
               <a:ext uri="{FF2B5EF4-FFF2-40B4-BE49-F238E27FC236}">
-                <a16:creationId xmlns:a16="http://schemas.microsoft.com/office/drawing/2014/main" id="{2AFB274D-4444-4CD6-95D2-91684066185A}"/>
+                <a16:creationId xmlns:a16="http://schemas.microsoft.com/office/drawing/2014/main" xmlns="" id="{2AFB274D-4444-4CD6-95D2-91684066185A}"/>
               </a:ext>
             </a:extLst>
           </p:cNvPr>
@@ -6159,7 +6159,7 @@
           <p:cNvPr id="9" name="TextBox 8">
             <a:extLst>
               <a:ext uri="{FF2B5EF4-FFF2-40B4-BE49-F238E27FC236}">
-                <a16:creationId xmlns:a16="http://schemas.microsoft.com/office/drawing/2014/main" id="{767311BE-A814-4799-9CF9-AA51E15D7854}"/>
+                <a16:creationId xmlns:a16="http://schemas.microsoft.com/office/drawing/2014/main" xmlns="" id="{767311BE-A814-4799-9CF9-AA51E15D7854}"/>
               </a:ext>
             </a:extLst>
           </p:cNvPr>
